--- a/Презентация и речь/Презентация 2.1.pptx
+++ b/Презентация и речь/Презентация 2.1.pptx
@@ -4400,8 +4400,8 @@
         </p:nvSpPr>
         <p:spPr>
           <a:xfrm>
-            <a:off x="3386484" y="71572"/>
-            <a:ext cx="2523127" cy="369332"/>
+            <a:off x="3758251" y="71572"/>
+            <a:ext cx="1779590" cy="369332"/>
           </a:xfrm>
           <a:prstGeom prst="rect">
             <a:avLst/>
@@ -4420,7 +4420,14 @@
                 <a:latin typeface="Times New Roman" panose="02020603050405020304" pitchFamily="18" charset="0"/>
                 <a:cs typeface="Times New Roman" panose="02020603050405020304" pitchFamily="18" charset="0"/>
               </a:rPr>
-              <a:t>Форма изучения темы</a:t>
+              <a:t>Изучение </a:t>
+            </a:r>
+            <a:r>
+              <a:rPr lang="ru-RU" b="1" dirty="0" smtClean="0">
+                <a:latin typeface="Times New Roman" panose="02020603050405020304" pitchFamily="18" charset="0"/>
+                <a:cs typeface="Times New Roman" panose="02020603050405020304" pitchFamily="18" charset="0"/>
+              </a:rPr>
+              <a:t>темы</a:t>
             </a:r>
             <a:endParaRPr lang="ru-RU" b="1" dirty="0">
               <a:latin typeface="Times New Roman" panose="02020603050405020304" pitchFamily="18" charset="0"/>
@@ -4466,7 +4473,7 @@
       </p:cxnSp>
       <p:pic>
         <p:nvPicPr>
-          <p:cNvPr id="5" name="Рисунок 4"/>
+          <p:cNvPr id="4" name="Рисунок 3"/>
           <p:cNvPicPr>
             <a:picLocks noChangeAspect="1"/>
           </p:cNvPicPr>
@@ -4480,8 +4487,8 @@
         </p:blipFill>
         <p:spPr>
           <a:xfrm>
-            <a:off x="420775" y="620688"/>
-            <a:ext cx="8241441" cy="6084911"/>
+            <a:off x="395536" y="764704"/>
+            <a:ext cx="8352928" cy="5608020"/>
           </a:xfrm>
           <a:prstGeom prst="rect">
             <a:avLst/>
@@ -4526,8 +4533,8 @@
         </p:nvSpPr>
         <p:spPr>
           <a:xfrm>
-            <a:off x="3242289" y="71572"/>
-            <a:ext cx="2811539" cy="369332"/>
+            <a:off x="3651632" y="71572"/>
+            <a:ext cx="1992853" cy="369332"/>
           </a:xfrm>
           <a:prstGeom prst="rect">
             <a:avLst/>
@@ -4546,7 +4553,14 @@
                 <a:latin typeface="Times New Roman" panose="02020603050405020304" pitchFamily="18" charset="0"/>
                 <a:cs typeface="Times New Roman" panose="02020603050405020304" pitchFamily="18" charset="0"/>
               </a:rPr>
-              <a:t>Форма ответа на задание</a:t>
+              <a:t>Ответ на </a:t>
+            </a:r>
+            <a:r>
+              <a:rPr lang="ru-RU" b="1" dirty="0" smtClean="0">
+                <a:latin typeface="Times New Roman" panose="02020603050405020304" pitchFamily="18" charset="0"/>
+                <a:cs typeface="Times New Roman" panose="02020603050405020304" pitchFamily="18" charset="0"/>
+              </a:rPr>
+              <a:t>задание</a:t>
             </a:r>
             <a:endParaRPr lang="ru-RU" b="1" dirty="0">
               <a:latin typeface="Times New Roman" panose="02020603050405020304" pitchFamily="18" charset="0"/>
@@ -4592,7 +4606,7 @@
       </p:cxnSp>
       <p:pic>
         <p:nvPicPr>
-          <p:cNvPr id="3" name="Рисунок 2"/>
+          <p:cNvPr id="4" name="Рисунок 3"/>
           <p:cNvPicPr>
             <a:picLocks noChangeAspect="1"/>
           </p:cNvPicPr>
@@ -4606,8 +4620,8 @@
         </p:blipFill>
         <p:spPr>
           <a:xfrm>
-            <a:off x="828675" y="692696"/>
-            <a:ext cx="7486650" cy="5667375"/>
+            <a:off x="395536" y="692696"/>
+            <a:ext cx="8149158" cy="5505016"/>
           </a:xfrm>
           <a:prstGeom prst="rect">
             <a:avLst/>
@@ -4652,8 +4666,8 @@
         </p:nvSpPr>
         <p:spPr>
           <a:xfrm>
-            <a:off x="3212831" y="71572"/>
-            <a:ext cx="2870466" cy="369332"/>
+            <a:off x="3582195" y="71572"/>
+            <a:ext cx="2131737" cy="369332"/>
           </a:xfrm>
           <a:prstGeom prst="rect">
             <a:avLst/>
@@ -4672,7 +4686,14 @@
                 <a:latin typeface="Times New Roman" panose="02020603050405020304" pitchFamily="18" charset="0"/>
                 <a:cs typeface="Times New Roman" panose="02020603050405020304" pitchFamily="18" charset="0"/>
               </a:rPr>
-              <a:t>Форма выполнения теста</a:t>
+              <a:t>Выполнения </a:t>
+            </a:r>
+            <a:r>
+              <a:rPr lang="ru-RU" b="1" dirty="0" smtClean="0">
+                <a:latin typeface="Times New Roman" panose="02020603050405020304" pitchFamily="18" charset="0"/>
+                <a:cs typeface="Times New Roman" panose="02020603050405020304" pitchFamily="18" charset="0"/>
+              </a:rPr>
+              <a:t>теста</a:t>
             </a:r>
             <a:endParaRPr lang="ru-RU" b="1" dirty="0">
               <a:latin typeface="Times New Roman" panose="02020603050405020304" pitchFamily="18" charset="0"/>
@@ -4718,7 +4739,7 @@
       </p:cxnSp>
       <p:pic>
         <p:nvPicPr>
-          <p:cNvPr id="4" name="Рисунок 3"/>
+          <p:cNvPr id="5" name="Рисунок 4"/>
           <p:cNvPicPr>
             <a:picLocks noChangeAspect="1"/>
           </p:cNvPicPr>
@@ -4732,8 +4753,8 @@
         </p:blipFill>
         <p:spPr>
           <a:xfrm>
-            <a:off x="1115616" y="620688"/>
-            <a:ext cx="7255113" cy="5069756"/>
+            <a:off x="251520" y="692696"/>
+            <a:ext cx="8656523" cy="5695899"/>
           </a:xfrm>
           <a:prstGeom prst="rect">
             <a:avLst/>
@@ -4778,8 +4799,8 @@
         </p:nvSpPr>
         <p:spPr>
           <a:xfrm>
-            <a:off x="2503136" y="71572"/>
-            <a:ext cx="4289829" cy="369332"/>
+            <a:off x="2865289" y="71572"/>
+            <a:ext cx="3565528" cy="369332"/>
           </a:xfrm>
           <a:prstGeom prst="rect">
             <a:avLst/>
@@ -4798,7 +4819,21 @@
                 <a:latin typeface="Times New Roman" panose="02020603050405020304" pitchFamily="18" charset="0"/>
                 <a:cs typeface="Times New Roman" panose="02020603050405020304" pitchFamily="18" charset="0"/>
               </a:rPr>
-              <a:t>Форма пользователя «Преподаватель» </a:t>
+              <a:t>Пользователь </a:t>
+            </a:r>
+            <a:r>
+              <a:rPr lang="ru-RU" b="1" dirty="0" smtClean="0">
+                <a:latin typeface="Times New Roman" panose="02020603050405020304" pitchFamily="18" charset="0"/>
+                <a:cs typeface="Times New Roman" panose="02020603050405020304" pitchFamily="18" charset="0"/>
+              </a:rPr>
+              <a:t>«Преподаватель</a:t>
+            </a:r>
+            <a:r>
+              <a:rPr lang="ru-RU" b="1" dirty="0" smtClean="0">
+                <a:latin typeface="Times New Roman" panose="02020603050405020304" pitchFamily="18" charset="0"/>
+                <a:cs typeface="Times New Roman" panose="02020603050405020304" pitchFamily="18" charset="0"/>
+              </a:rPr>
+              <a:t>» </a:t>
             </a:r>
             <a:endParaRPr lang="ru-RU" b="1" dirty="0">
               <a:latin typeface="Times New Roman" panose="02020603050405020304" pitchFamily="18" charset="0"/>
@@ -4844,7 +4879,7 @@
       </p:cxnSp>
       <p:pic>
         <p:nvPicPr>
-          <p:cNvPr id="2" name="Рисунок 1"/>
+          <p:cNvPr id="3" name="Рисунок 2"/>
           <p:cNvPicPr>
             <a:picLocks noChangeAspect="1"/>
           </p:cNvPicPr>
@@ -4858,8 +4893,8 @@
         </p:blipFill>
         <p:spPr>
           <a:xfrm>
-            <a:off x="477275" y="620688"/>
-            <a:ext cx="8185329" cy="5904656"/>
+            <a:off x="365398" y="526183"/>
+            <a:ext cx="8593038" cy="5940108"/>
           </a:xfrm>
           <a:prstGeom prst="rect">
             <a:avLst/>
@@ -4904,8 +4939,8 @@
         </p:nvSpPr>
         <p:spPr>
           <a:xfrm>
-            <a:off x="3011749" y="71572"/>
-            <a:ext cx="3272627" cy="369332"/>
+            <a:off x="3401858" y="71572"/>
+            <a:ext cx="2492414" cy="369332"/>
           </a:xfrm>
           <a:prstGeom prst="rect">
             <a:avLst/>
@@ -4924,7 +4959,7 @@
                 <a:latin typeface="Times New Roman" panose="02020603050405020304" pitchFamily="18" charset="0"/>
                 <a:cs typeface="Times New Roman" panose="02020603050405020304" pitchFamily="18" charset="0"/>
               </a:rPr>
-              <a:t>Форма редактирования темы</a:t>
+              <a:t>Редактирование темы</a:t>
             </a:r>
             <a:endParaRPr lang="ru-RU" b="1" dirty="0">
               <a:latin typeface="Times New Roman" panose="02020603050405020304" pitchFamily="18" charset="0"/>
@@ -4970,7 +5005,7 @@
       </p:cxnSp>
       <p:pic>
         <p:nvPicPr>
-          <p:cNvPr id="3" name="Рисунок 2"/>
+          <p:cNvPr id="2" name="Рисунок 1"/>
           <p:cNvPicPr>
             <a:picLocks noChangeAspect="1"/>
           </p:cNvPicPr>
@@ -4984,8 +5019,8 @@
         </p:blipFill>
         <p:spPr>
           <a:xfrm>
-            <a:off x="705389" y="692696"/>
-            <a:ext cx="7885322" cy="5701258"/>
+            <a:off x="368003" y="547515"/>
+            <a:ext cx="8371283" cy="5760240"/>
           </a:xfrm>
           <a:prstGeom prst="rect">
             <a:avLst/>
@@ -5030,8 +5065,8 @@
         </p:nvSpPr>
         <p:spPr>
           <a:xfrm>
-            <a:off x="3261721" y="71572"/>
-            <a:ext cx="2772683" cy="369332"/>
+            <a:off x="3635893" y="71572"/>
+            <a:ext cx="2024337" cy="369332"/>
           </a:xfrm>
           <a:prstGeom prst="rect">
             <a:avLst/>
@@ -5050,7 +5085,14 @@
                 <a:latin typeface="Times New Roman" panose="02020603050405020304" pitchFamily="18" charset="0"/>
                 <a:cs typeface="Times New Roman" panose="02020603050405020304" pitchFamily="18" charset="0"/>
               </a:rPr>
-              <a:t>Форма добавления теста</a:t>
+              <a:t>Добавление </a:t>
+            </a:r>
+            <a:r>
+              <a:rPr lang="ru-RU" b="1" dirty="0" smtClean="0">
+                <a:latin typeface="Times New Roman" panose="02020603050405020304" pitchFamily="18" charset="0"/>
+                <a:cs typeface="Times New Roman" panose="02020603050405020304" pitchFamily="18" charset="0"/>
+              </a:rPr>
+              <a:t>теста</a:t>
             </a:r>
             <a:endParaRPr lang="ru-RU" b="1" dirty="0">
               <a:latin typeface="Times New Roman" panose="02020603050405020304" pitchFamily="18" charset="0"/>
@@ -5156,8 +5198,8 @@
         </p:nvSpPr>
         <p:spPr>
           <a:xfrm>
-            <a:off x="3255500" y="71572"/>
-            <a:ext cx="2785121" cy="369332"/>
+            <a:off x="3639291" y="71572"/>
+            <a:ext cx="2017539" cy="369332"/>
           </a:xfrm>
           <a:prstGeom prst="rect">
             <a:avLst/>
@@ -5176,7 +5218,14 @@
                 <a:latin typeface="Times New Roman" panose="02020603050405020304" pitchFamily="18" charset="0"/>
                 <a:cs typeface="Times New Roman" panose="02020603050405020304" pitchFamily="18" charset="0"/>
               </a:rPr>
-              <a:t>Форма «Банк вопросов» </a:t>
+              <a:t>«</a:t>
+            </a:r>
+            <a:r>
+              <a:rPr lang="ru-RU" b="1" dirty="0" smtClean="0">
+                <a:latin typeface="Times New Roman" panose="02020603050405020304" pitchFamily="18" charset="0"/>
+                <a:cs typeface="Times New Roman" panose="02020603050405020304" pitchFamily="18" charset="0"/>
+              </a:rPr>
+              <a:t>Банк вопросов» </a:t>
             </a:r>
             <a:endParaRPr lang="ru-RU" b="1" dirty="0">
               <a:latin typeface="Times New Roman" panose="02020603050405020304" pitchFamily="18" charset="0"/>
@@ -5222,7 +5271,7 @@
       </p:cxnSp>
       <p:pic>
         <p:nvPicPr>
-          <p:cNvPr id="3" name="Рисунок 2"/>
+          <p:cNvPr id="4" name="Рисунок 3"/>
           <p:cNvPicPr>
             <a:picLocks noChangeAspect="1"/>
           </p:cNvPicPr>
@@ -5236,8 +5285,8 @@
         </p:blipFill>
         <p:spPr>
           <a:xfrm>
-            <a:off x="621484" y="692696"/>
-            <a:ext cx="7901032" cy="5724871"/>
+            <a:off x="611560" y="507483"/>
+            <a:ext cx="7848872" cy="6186510"/>
           </a:xfrm>
           <a:prstGeom prst="rect">
             <a:avLst/>
@@ -5282,8 +5331,8 @@
         </p:nvSpPr>
         <p:spPr>
           <a:xfrm>
-            <a:off x="2194101" y="71572"/>
-            <a:ext cx="4907947" cy="369332"/>
+            <a:off x="2643617" y="71572"/>
+            <a:ext cx="4008918" cy="369332"/>
           </a:xfrm>
           <a:prstGeom prst="rect">
             <a:avLst/>
@@ -5302,7 +5351,21 @@
                 <a:latin typeface="Times New Roman" panose="02020603050405020304" pitchFamily="18" charset="0"/>
                 <a:cs typeface="Times New Roman" panose="02020603050405020304" pitchFamily="18" charset="0"/>
               </a:rPr>
-              <a:t>Форма создания и редактирования вопроса</a:t>
+              <a:t>Создание </a:t>
+            </a:r>
+            <a:r>
+              <a:rPr lang="ru-RU" b="1" dirty="0" smtClean="0">
+                <a:latin typeface="Times New Roman" panose="02020603050405020304" pitchFamily="18" charset="0"/>
+                <a:cs typeface="Times New Roman" panose="02020603050405020304" pitchFamily="18" charset="0"/>
+              </a:rPr>
+              <a:t>и </a:t>
+            </a:r>
+            <a:r>
+              <a:rPr lang="ru-RU" b="1" dirty="0" smtClean="0">
+                <a:latin typeface="Times New Roman" panose="02020603050405020304" pitchFamily="18" charset="0"/>
+                <a:cs typeface="Times New Roman" panose="02020603050405020304" pitchFamily="18" charset="0"/>
+              </a:rPr>
+              <a:t>редактирования вопроса</a:t>
             </a:r>
             <a:endParaRPr lang="ru-RU" b="1" dirty="0">
               <a:latin typeface="Times New Roman" panose="02020603050405020304" pitchFamily="18" charset="0"/>
@@ -5348,7 +5411,7 @@
       </p:cxnSp>
       <p:pic>
         <p:nvPicPr>
-          <p:cNvPr id="2" name="Рисунок 1"/>
+          <p:cNvPr id="3" name="Рисунок 2"/>
           <p:cNvPicPr>
             <a:picLocks noChangeAspect="1"/>
           </p:cNvPicPr>
@@ -5362,8 +5425,8 @@
         </p:blipFill>
         <p:spPr>
           <a:xfrm>
-            <a:off x="828675" y="692696"/>
-            <a:ext cx="7486650" cy="5648325"/>
+            <a:off x="251520" y="836712"/>
+            <a:ext cx="8740527" cy="5257973"/>
           </a:xfrm>
           <a:prstGeom prst="rect">
             <a:avLst/>
@@ -5408,8 +5471,8 @@
         </p:nvSpPr>
         <p:spPr>
           <a:xfrm>
-            <a:off x="3327197" y="71572"/>
-            <a:ext cx="2641750" cy="369332"/>
+            <a:off x="3710989" y="71572"/>
+            <a:ext cx="1874166" cy="369332"/>
           </a:xfrm>
           <a:prstGeom prst="rect">
             <a:avLst/>
@@ -5428,7 +5491,14 @@
                 <a:latin typeface="Times New Roman" panose="02020603050405020304" pitchFamily="18" charset="0"/>
                 <a:cs typeface="Times New Roman" panose="02020603050405020304" pitchFamily="18" charset="0"/>
               </a:rPr>
-              <a:t>Форма «Пользователи»</a:t>
+              <a:t>«</a:t>
+            </a:r>
+            <a:r>
+              <a:rPr lang="ru-RU" b="1" dirty="0" smtClean="0">
+                <a:latin typeface="Times New Roman" panose="02020603050405020304" pitchFamily="18" charset="0"/>
+                <a:cs typeface="Times New Roman" panose="02020603050405020304" pitchFamily="18" charset="0"/>
+              </a:rPr>
+              <a:t>Пользователи»</a:t>
             </a:r>
             <a:endParaRPr lang="ru-RU" b="1" dirty="0">
               <a:latin typeface="Times New Roman" panose="02020603050405020304" pitchFamily="18" charset="0"/>
@@ -5474,7 +5544,7 @@
       </p:cxnSp>
       <p:pic>
         <p:nvPicPr>
-          <p:cNvPr id="3" name="Рисунок 2"/>
+          <p:cNvPr id="2" name="Рисунок 1"/>
           <p:cNvPicPr>
             <a:picLocks noChangeAspect="1"/>
           </p:cNvPicPr>
@@ -5488,8 +5558,8 @@
         </p:blipFill>
         <p:spPr>
           <a:xfrm>
-            <a:off x="553519" y="620688"/>
-            <a:ext cx="8166013" cy="4680520"/>
+            <a:off x="395536" y="692696"/>
+            <a:ext cx="8426997" cy="5805264"/>
           </a:xfrm>
           <a:prstGeom prst="rect">
             <a:avLst/>
@@ -5534,8 +5604,8 @@
         </p:nvSpPr>
         <p:spPr>
           <a:xfrm>
-            <a:off x="2818059" y="71572"/>
-            <a:ext cx="3660041" cy="369332"/>
+            <a:off x="3237724" y="71572"/>
+            <a:ext cx="2820709" cy="369332"/>
           </a:xfrm>
           <a:prstGeom prst="rect">
             <a:avLst/>
@@ -5554,7 +5624,14 @@
                 <a:latin typeface="Times New Roman" panose="02020603050405020304" pitchFamily="18" charset="0"/>
                 <a:cs typeface="Times New Roman" panose="02020603050405020304" pitchFamily="18" charset="0"/>
               </a:rPr>
-              <a:t>Форма прогресса изучения курса</a:t>
+              <a:t>Прогресс </a:t>
+            </a:r>
+            <a:r>
+              <a:rPr lang="ru-RU" b="1" dirty="0" smtClean="0">
+                <a:latin typeface="Times New Roman" panose="02020603050405020304" pitchFamily="18" charset="0"/>
+                <a:cs typeface="Times New Roman" panose="02020603050405020304" pitchFamily="18" charset="0"/>
+              </a:rPr>
+              <a:t>изучения курса</a:t>
             </a:r>
             <a:endParaRPr lang="ru-RU" b="1" dirty="0">
               <a:latin typeface="Times New Roman" panose="02020603050405020304" pitchFamily="18" charset="0"/>
@@ -5600,7 +5677,7 @@
       </p:cxnSp>
       <p:pic>
         <p:nvPicPr>
-          <p:cNvPr id="2" name="Рисунок 1"/>
+          <p:cNvPr id="3" name="Рисунок 2"/>
           <p:cNvPicPr>
             <a:picLocks noChangeAspect="1"/>
           </p:cNvPicPr>
@@ -5614,8 +5691,8 @@
         </p:blipFill>
         <p:spPr>
           <a:xfrm>
-            <a:off x="838253" y="692696"/>
-            <a:ext cx="7467493" cy="5825902"/>
+            <a:off x="395536" y="522735"/>
+            <a:ext cx="8424900" cy="5790034"/>
           </a:xfrm>
           <a:prstGeom prst="rect">
             <a:avLst/>
@@ -5870,8 +5947,8 @@
         </p:nvSpPr>
         <p:spPr>
           <a:xfrm>
-            <a:off x="3425990" y="71572"/>
-            <a:ext cx="2444195" cy="369332"/>
+            <a:off x="3799362" y="71572"/>
+            <a:ext cx="1697451" cy="369332"/>
           </a:xfrm>
           <a:prstGeom prst="rect">
             <a:avLst/>
@@ -5890,7 +5967,28 @@
                 <a:latin typeface="Times New Roman" panose="02020603050405020304" pitchFamily="18" charset="0"/>
                 <a:cs typeface="Times New Roman" panose="02020603050405020304" pitchFamily="18" charset="0"/>
               </a:rPr>
-              <a:t>Форма заданий курса</a:t>
+              <a:t>Задани</a:t>
+            </a:r>
+            <a:r>
+              <a:rPr lang="ru-RU" b="1" dirty="0" smtClean="0">
+                <a:latin typeface="Times New Roman" panose="02020603050405020304" pitchFamily="18" charset="0"/>
+                <a:cs typeface="Times New Roman" panose="02020603050405020304" pitchFamily="18" charset="0"/>
+              </a:rPr>
+              <a:t>я</a:t>
+            </a:r>
+            <a:r>
+              <a:rPr lang="ru-RU" b="1" dirty="0" smtClean="0">
+                <a:latin typeface="Times New Roman" panose="02020603050405020304" pitchFamily="18" charset="0"/>
+                <a:cs typeface="Times New Roman" panose="02020603050405020304" pitchFamily="18" charset="0"/>
+              </a:rPr>
+              <a:t> </a:t>
+            </a:r>
+            <a:r>
+              <a:rPr lang="ru-RU" b="1" dirty="0" smtClean="0">
+                <a:latin typeface="Times New Roman" panose="02020603050405020304" pitchFamily="18" charset="0"/>
+                <a:cs typeface="Times New Roman" panose="02020603050405020304" pitchFamily="18" charset="0"/>
+              </a:rPr>
+              <a:t>курса</a:t>
             </a:r>
             <a:endParaRPr lang="ru-RU" b="1" dirty="0">
               <a:latin typeface="Times New Roman" panose="02020603050405020304" pitchFamily="18" charset="0"/>
@@ -5936,7 +6034,7 @@
       </p:cxnSp>
       <p:pic>
         <p:nvPicPr>
-          <p:cNvPr id="3" name="Рисунок 2"/>
+          <p:cNvPr id="2" name="Рисунок 1"/>
           <p:cNvPicPr>
             <a:picLocks noChangeAspect="1"/>
           </p:cNvPicPr>
@@ -5950,8 +6048,8 @@
         </p:blipFill>
         <p:spPr>
           <a:xfrm>
-            <a:off x="669650" y="620688"/>
-            <a:ext cx="7956873" cy="5189265"/>
+            <a:off x="368626" y="526775"/>
+            <a:ext cx="8554922" cy="5877272"/>
           </a:xfrm>
           <a:prstGeom prst="rect">
             <a:avLst/>
@@ -5996,8 +6094,8 @@
         </p:nvSpPr>
         <p:spPr>
           <a:xfrm>
-            <a:off x="2972981" y="71572"/>
-            <a:ext cx="3350213" cy="369332"/>
+            <a:off x="3906538" y="71572"/>
+            <a:ext cx="1483099" cy="369332"/>
           </a:xfrm>
           <a:prstGeom prst="rect">
             <a:avLst/>
@@ -6016,7 +6114,7 @@
                 <a:latin typeface="Times New Roman" panose="02020603050405020304" pitchFamily="18" charset="0"/>
                 <a:cs typeface="Times New Roman" panose="02020603050405020304" pitchFamily="18" charset="0"/>
               </a:rPr>
-              <a:t>Форма списка тестов студента</a:t>
+              <a:t>Тесты курса</a:t>
             </a:r>
             <a:endParaRPr lang="ru-RU" b="1" dirty="0">
               <a:latin typeface="Times New Roman" panose="02020603050405020304" pitchFamily="18" charset="0"/>
@@ -6062,7 +6160,7 @@
       </p:cxnSp>
       <p:pic>
         <p:nvPicPr>
-          <p:cNvPr id="4" name="Рисунок 3"/>
+          <p:cNvPr id="2" name="Рисунок 1"/>
           <p:cNvPicPr>
             <a:picLocks noChangeAspect="1"/>
           </p:cNvPicPr>
@@ -6076,8 +6174,8 @@
         </p:blipFill>
         <p:spPr>
           <a:xfrm>
-            <a:off x="809625" y="600075"/>
-            <a:ext cx="7524750" cy="5657850"/>
+            <a:off x="395536" y="512441"/>
+            <a:ext cx="8390415" cy="5780509"/>
           </a:xfrm>
           <a:prstGeom prst="rect">
             <a:avLst/>
@@ -6122,8 +6220,8 @@
         </p:nvSpPr>
         <p:spPr>
           <a:xfrm>
-            <a:off x="2528856" y="71572"/>
-            <a:ext cx="4238468" cy="369332"/>
+            <a:off x="2889403" y="71572"/>
+            <a:ext cx="3517373" cy="369332"/>
           </a:xfrm>
           <a:prstGeom prst="rect">
             <a:avLst/>
@@ -6142,7 +6240,14 @@
                 <a:latin typeface="Times New Roman" panose="02020603050405020304" pitchFamily="18" charset="0"/>
                 <a:cs typeface="Times New Roman" panose="02020603050405020304" pitchFamily="18" charset="0"/>
               </a:rPr>
-              <a:t>Форма просмотра выполненного теста</a:t>
+              <a:t>Просмотр </a:t>
+            </a:r>
+            <a:r>
+              <a:rPr lang="ru-RU" b="1" dirty="0" smtClean="0">
+                <a:latin typeface="Times New Roman" panose="02020603050405020304" pitchFamily="18" charset="0"/>
+                <a:cs typeface="Times New Roman" panose="02020603050405020304" pitchFamily="18" charset="0"/>
+              </a:rPr>
+              <a:t>выполненного теста</a:t>
             </a:r>
             <a:endParaRPr lang="ru-RU" b="1" dirty="0">
               <a:latin typeface="Times New Roman" panose="02020603050405020304" pitchFamily="18" charset="0"/>
@@ -6188,7 +6293,7 @@
       </p:cxnSp>
       <p:pic>
         <p:nvPicPr>
-          <p:cNvPr id="3" name="Рисунок 2"/>
+          <p:cNvPr id="2" name="Рисунок 1"/>
           <p:cNvPicPr>
             <a:picLocks noChangeAspect="1"/>
           </p:cNvPicPr>
@@ -6202,8 +6307,8 @@
         </p:blipFill>
         <p:spPr>
           <a:xfrm>
-            <a:off x="858887" y="692696"/>
-            <a:ext cx="7426226" cy="5450777"/>
+            <a:off x="275481" y="527902"/>
+            <a:ext cx="8593037" cy="5967387"/>
           </a:xfrm>
           <a:prstGeom prst="rect">
             <a:avLst/>
@@ -7668,20 +7773,20 @@
           <a:p>
             <a:pPr algn="ctr"/>
             <a:r>
-              <a:rPr lang="en-US" sz="2800" b="1" dirty="0" smtClean="0">
+              <a:rPr lang="en-US" sz="2000" b="1" dirty="0" smtClean="0">
                 <a:latin typeface="Times New Roman" panose="02020603050405020304" pitchFamily="18" charset="0"/>
                 <a:cs typeface="Times New Roman" panose="02020603050405020304" pitchFamily="18" charset="0"/>
               </a:rPr>
               <a:t>ER-</a:t>
             </a:r>
             <a:r>
-              <a:rPr lang="ru-RU" sz="2800" b="1" dirty="0" smtClean="0">
+              <a:rPr lang="ru-RU" sz="2000" b="1" dirty="0" smtClean="0">
                 <a:latin typeface="Times New Roman" panose="02020603050405020304" pitchFamily="18" charset="0"/>
                 <a:cs typeface="Times New Roman" panose="02020603050405020304" pitchFamily="18" charset="0"/>
               </a:rPr>
               <a:t>диаграмма базы данных</a:t>
             </a:r>
-            <a:endParaRPr lang="ru-RU" sz="2800" b="1" dirty="0">
+            <a:endParaRPr lang="ru-RU" sz="2000" b="1" dirty="0">
               <a:solidFill>
                 <a:schemeClr val="tx2">
                   <a:lumMod val="75000"/>
@@ -7701,7 +7806,7 @@
         </p:nvCxnSpPr>
         <p:spPr>
           <a:xfrm>
-            <a:off x="395536" y="548680"/>
+            <a:off x="395536" y="360834"/>
             <a:ext cx="8352928" cy="0"/>
           </a:xfrm>
           <a:prstGeom prst="line">
@@ -7730,7 +7835,7 @@
       </p:cxnSp>
       <p:pic>
         <p:nvPicPr>
-          <p:cNvPr id="4" name="Рисунок 3"/>
+          <p:cNvPr id="6" name="Рисунок 5"/>
           <p:cNvPicPr>
             <a:picLocks noChangeAspect="1"/>
           </p:cNvPicPr>
@@ -7744,8 +7849,8 @@
         </p:blipFill>
         <p:spPr>
           <a:xfrm>
-            <a:off x="35351" y="908720"/>
-            <a:ext cx="8999972" cy="5688632"/>
+            <a:off x="118918" y="548680"/>
+            <a:ext cx="8906164" cy="5976664"/>
           </a:xfrm>
           <a:prstGeom prst="rect">
             <a:avLst/>
@@ -8275,8 +8380,8 @@
         </p:nvSpPr>
         <p:spPr>
           <a:xfrm>
-            <a:off x="2799766" y="35333"/>
-            <a:ext cx="3544496" cy="369332"/>
+            <a:off x="3161916" y="35333"/>
+            <a:ext cx="2820196" cy="369332"/>
           </a:xfrm>
           <a:prstGeom prst="rect">
             <a:avLst/>
@@ -8295,7 +8400,21 @@
                 <a:latin typeface="Times New Roman" panose="02020603050405020304" pitchFamily="18" charset="0"/>
                 <a:cs typeface="Times New Roman" panose="02020603050405020304" pitchFamily="18" charset="0"/>
               </a:rPr>
-              <a:t>Форма пользователя «Студент» </a:t>
+              <a:t>П</a:t>
+            </a:r>
+            <a:r>
+              <a:rPr lang="ru-RU" b="1" dirty="0" smtClean="0">
+                <a:latin typeface="Times New Roman" panose="02020603050405020304" pitchFamily="18" charset="0"/>
+                <a:cs typeface="Times New Roman" panose="02020603050405020304" pitchFamily="18" charset="0"/>
+              </a:rPr>
+              <a:t>ользователь </a:t>
+            </a:r>
+            <a:r>
+              <a:rPr lang="ru-RU" b="1" dirty="0" smtClean="0">
+                <a:latin typeface="Times New Roman" panose="02020603050405020304" pitchFamily="18" charset="0"/>
+                <a:cs typeface="Times New Roman" panose="02020603050405020304" pitchFamily="18" charset="0"/>
+              </a:rPr>
+              <a:t>«Студент» </a:t>
             </a:r>
             <a:endParaRPr lang="ru-RU" b="1" dirty="0">
               <a:latin typeface="Times New Roman" panose="02020603050405020304" pitchFamily="18" charset="0"/>
@@ -8304,30 +8423,6 @@
           </a:p>
         </p:txBody>
       </p:sp>
-      <p:pic>
-        <p:nvPicPr>
-          <p:cNvPr id="4" name="Рисунок 3"/>
-          <p:cNvPicPr>
-            <a:picLocks noChangeAspect="1"/>
-          </p:cNvPicPr>
-          <p:nvPr/>
-        </p:nvPicPr>
-        <p:blipFill>
-          <a:blip r:embed="rId2"/>
-          <a:stretch>
-            <a:fillRect/>
-          </a:stretch>
-        </p:blipFill>
-        <p:spPr>
-          <a:xfrm>
-            <a:off x="207342" y="476672"/>
-            <a:ext cx="8729344" cy="5976663"/>
-          </a:xfrm>
-          <a:prstGeom prst="rect">
-            <a:avLst/>
-          </a:prstGeom>
-        </p:spPr>
-      </p:pic>
       <p:cxnSp>
         <p:nvCxnSpPr>
           <p:cNvPr id="7" name="Прямая соединительная линия 6"/>
@@ -8363,6 +8458,30 @@
           </a:fontRef>
         </p:style>
       </p:cxnSp>
+      <p:pic>
+        <p:nvPicPr>
+          <p:cNvPr id="9" name="Рисунок 8"/>
+          <p:cNvPicPr>
+            <a:picLocks noChangeAspect="1"/>
+          </p:cNvPicPr>
+          <p:nvPr/>
+        </p:nvPicPr>
+        <p:blipFill>
+          <a:blip r:embed="rId2"/>
+          <a:stretch>
+            <a:fillRect/>
+          </a:stretch>
+        </p:blipFill>
+        <p:spPr>
+          <a:xfrm>
+            <a:off x="312500" y="620688"/>
+            <a:ext cx="8693235" cy="5838740"/>
+          </a:xfrm>
+          <a:prstGeom prst="rect">
+            <a:avLst/>
+          </a:prstGeom>
+        </p:spPr>
+      </p:pic>
     </p:spTree>
     <p:extLst>
       <p:ext uri="{BB962C8B-B14F-4D97-AF65-F5344CB8AC3E}">

--- a/Презентация и речь/Презентация 2.1.pptx
+++ b/Презентация и речь/Презентация 2.1.pptx
@@ -4420,14 +4420,7 @@
                 <a:latin typeface="Times New Roman" panose="02020603050405020304" pitchFamily="18" charset="0"/>
                 <a:cs typeface="Times New Roman" panose="02020603050405020304" pitchFamily="18" charset="0"/>
               </a:rPr>
-              <a:t>Изучение </a:t>
-            </a:r>
-            <a:r>
-              <a:rPr lang="ru-RU" b="1" dirty="0" smtClean="0">
-                <a:latin typeface="Times New Roman" panose="02020603050405020304" pitchFamily="18" charset="0"/>
-                <a:cs typeface="Times New Roman" panose="02020603050405020304" pitchFamily="18" charset="0"/>
-              </a:rPr>
-              <a:t>темы</a:t>
+              <a:t>Изучение темы</a:t>
             </a:r>
             <a:endParaRPr lang="ru-RU" b="1" dirty="0">
               <a:latin typeface="Times New Roman" panose="02020603050405020304" pitchFamily="18" charset="0"/>
@@ -4473,7 +4466,7 @@
       </p:cxnSp>
       <p:pic>
         <p:nvPicPr>
-          <p:cNvPr id="4" name="Рисунок 3"/>
+          <p:cNvPr id="3" name="Рисунок 2"/>
           <p:cNvPicPr>
             <a:picLocks noChangeAspect="1"/>
           </p:cNvPicPr>
@@ -4487,8 +4480,8 @@
         </p:blipFill>
         <p:spPr>
           <a:xfrm>
-            <a:off x="395536" y="764704"/>
-            <a:ext cx="8352928" cy="5608020"/>
+            <a:off x="399004" y="512440"/>
+            <a:ext cx="8349460" cy="5903085"/>
           </a:xfrm>
           <a:prstGeom prst="rect">
             <a:avLst/>
@@ -4553,14 +4546,7 @@
                 <a:latin typeface="Times New Roman" panose="02020603050405020304" pitchFamily="18" charset="0"/>
                 <a:cs typeface="Times New Roman" panose="02020603050405020304" pitchFamily="18" charset="0"/>
               </a:rPr>
-              <a:t>Ответ на </a:t>
-            </a:r>
-            <a:r>
-              <a:rPr lang="ru-RU" b="1" dirty="0" smtClean="0">
-                <a:latin typeface="Times New Roman" panose="02020603050405020304" pitchFamily="18" charset="0"/>
-                <a:cs typeface="Times New Roman" panose="02020603050405020304" pitchFamily="18" charset="0"/>
-              </a:rPr>
-              <a:t>задание</a:t>
+              <a:t>Ответ на задание</a:t>
             </a:r>
             <a:endParaRPr lang="ru-RU" b="1" dirty="0">
               <a:latin typeface="Times New Roman" panose="02020603050405020304" pitchFamily="18" charset="0"/>
@@ -4686,14 +4672,7 @@
                 <a:latin typeface="Times New Roman" panose="02020603050405020304" pitchFamily="18" charset="0"/>
                 <a:cs typeface="Times New Roman" panose="02020603050405020304" pitchFamily="18" charset="0"/>
               </a:rPr>
-              <a:t>Выполнения </a:t>
-            </a:r>
-            <a:r>
-              <a:rPr lang="ru-RU" b="1" dirty="0" smtClean="0">
-                <a:latin typeface="Times New Roman" panose="02020603050405020304" pitchFamily="18" charset="0"/>
-                <a:cs typeface="Times New Roman" panose="02020603050405020304" pitchFamily="18" charset="0"/>
-              </a:rPr>
-              <a:t>теста</a:t>
+              <a:t>Выполнения теста</a:t>
             </a:r>
             <a:endParaRPr lang="ru-RU" b="1" dirty="0">
               <a:latin typeface="Times New Roman" panose="02020603050405020304" pitchFamily="18" charset="0"/>
@@ -4819,21 +4798,7 @@
                 <a:latin typeface="Times New Roman" panose="02020603050405020304" pitchFamily="18" charset="0"/>
                 <a:cs typeface="Times New Roman" panose="02020603050405020304" pitchFamily="18" charset="0"/>
               </a:rPr>
-              <a:t>Пользователь </a:t>
-            </a:r>
-            <a:r>
-              <a:rPr lang="ru-RU" b="1" dirty="0" smtClean="0">
-                <a:latin typeface="Times New Roman" panose="02020603050405020304" pitchFamily="18" charset="0"/>
-                <a:cs typeface="Times New Roman" panose="02020603050405020304" pitchFamily="18" charset="0"/>
-              </a:rPr>
-              <a:t>«Преподаватель</a:t>
-            </a:r>
-            <a:r>
-              <a:rPr lang="ru-RU" b="1" dirty="0" smtClean="0">
-                <a:latin typeface="Times New Roman" panose="02020603050405020304" pitchFamily="18" charset="0"/>
-                <a:cs typeface="Times New Roman" panose="02020603050405020304" pitchFamily="18" charset="0"/>
-              </a:rPr>
-              <a:t>» </a:t>
+              <a:t>Пользователь «Преподаватель» </a:t>
             </a:r>
             <a:endParaRPr lang="ru-RU" b="1" dirty="0">
               <a:latin typeface="Times New Roman" panose="02020603050405020304" pitchFamily="18" charset="0"/>
@@ -5085,14 +5050,7 @@
                 <a:latin typeface="Times New Roman" panose="02020603050405020304" pitchFamily="18" charset="0"/>
                 <a:cs typeface="Times New Roman" panose="02020603050405020304" pitchFamily="18" charset="0"/>
               </a:rPr>
-              <a:t>Добавление </a:t>
-            </a:r>
-            <a:r>
-              <a:rPr lang="ru-RU" b="1" dirty="0" smtClean="0">
-                <a:latin typeface="Times New Roman" panose="02020603050405020304" pitchFamily="18" charset="0"/>
-                <a:cs typeface="Times New Roman" panose="02020603050405020304" pitchFamily="18" charset="0"/>
-              </a:rPr>
-              <a:t>теста</a:t>
+              <a:t>Добавление теста</a:t>
             </a:r>
             <a:endParaRPr lang="ru-RU" b="1" dirty="0">
               <a:latin typeface="Times New Roman" panose="02020603050405020304" pitchFamily="18" charset="0"/>
@@ -5138,7 +5096,7 @@
       </p:cxnSp>
       <p:pic>
         <p:nvPicPr>
-          <p:cNvPr id="2" name="Рисунок 1"/>
+          <p:cNvPr id="3" name="Рисунок 2"/>
           <p:cNvPicPr>
             <a:picLocks noChangeAspect="1"/>
           </p:cNvPicPr>
@@ -5152,8 +5110,8 @@
         </p:blipFill>
         <p:spPr>
           <a:xfrm>
-            <a:off x="838200" y="1124744"/>
-            <a:ext cx="7467600" cy="4219575"/>
+            <a:off x="251520" y="764704"/>
+            <a:ext cx="8772788" cy="5606802"/>
           </a:xfrm>
           <a:prstGeom prst="rect">
             <a:avLst/>
@@ -5218,14 +5176,7 @@
                 <a:latin typeface="Times New Roman" panose="02020603050405020304" pitchFamily="18" charset="0"/>
                 <a:cs typeface="Times New Roman" panose="02020603050405020304" pitchFamily="18" charset="0"/>
               </a:rPr>
-              <a:t>«</a:t>
-            </a:r>
-            <a:r>
-              <a:rPr lang="ru-RU" b="1" dirty="0" smtClean="0">
-                <a:latin typeface="Times New Roman" panose="02020603050405020304" pitchFamily="18" charset="0"/>
-                <a:cs typeface="Times New Roman" panose="02020603050405020304" pitchFamily="18" charset="0"/>
-              </a:rPr>
-              <a:t>Банк вопросов» </a:t>
+              <a:t>«Банк вопросов» </a:t>
             </a:r>
             <a:endParaRPr lang="ru-RU" b="1" dirty="0">
               <a:latin typeface="Times New Roman" panose="02020603050405020304" pitchFamily="18" charset="0"/>
@@ -5271,7 +5222,7 @@
       </p:cxnSp>
       <p:pic>
         <p:nvPicPr>
-          <p:cNvPr id="4" name="Рисунок 3"/>
+          <p:cNvPr id="3" name="Рисунок 2"/>
           <p:cNvPicPr>
             <a:picLocks noChangeAspect="1"/>
           </p:cNvPicPr>
@@ -5285,8 +5236,8 @@
         </p:blipFill>
         <p:spPr>
           <a:xfrm>
-            <a:off x="611560" y="507483"/>
-            <a:ext cx="7848872" cy="6186510"/>
+            <a:off x="251520" y="531012"/>
+            <a:ext cx="8735335" cy="6066205"/>
           </a:xfrm>
           <a:prstGeom prst="rect">
             <a:avLst/>
@@ -5351,21 +5302,7 @@
                 <a:latin typeface="Times New Roman" panose="02020603050405020304" pitchFamily="18" charset="0"/>
                 <a:cs typeface="Times New Roman" panose="02020603050405020304" pitchFamily="18" charset="0"/>
               </a:rPr>
-              <a:t>Создание </a:t>
-            </a:r>
-            <a:r>
-              <a:rPr lang="ru-RU" b="1" dirty="0" smtClean="0">
-                <a:latin typeface="Times New Roman" panose="02020603050405020304" pitchFamily="18" charset="0"/>
-                <a:cs typeface="Times New Roman" panose="02020603050405020304" pitchFamily="18" charset="0"/>
-              </a:rPr>
-              <a:t>и </a:t>
-            </a:r>
-            <a:r>
-              <a:rPr lang="ru-RU" b="1" dirty="0" smtClean="0">
-                <a:latin typeface="Times New Roman" panose="02020603050405020304" pitchFamily="18" charset="0"/>
-                <a:cs typeface="Times New Roman" panose="02020603050405020304" pitchFamily="18" charset="0"/>
-              </a:rPr>
-              <a:t>редактирования вопроса</a:t>
+              <a:t>Создание и редактирования вопроса</a:t>
             </a:r>
             <a:endParaRPr lang="ru-RU" b="1" dirty="0">
               <a:latin typeface="Times New Roman" panose="02020603050405020304" pitchFamily="18" charset="0"/>
@@ -5411,7 +5348,7 @@
       </p:cxnSp>
       <p:pic>
         <p:nvPicPr>
-          <p:cNvPr id="3" name="Рисунок 2"/>
+          <p:cNvPr id="2" name="Рисунок 1"/>
           <p:cNvPicPr>
             <a:picLocks noChangeAspect="1"/>
           </p:cNvPicPr>
@@ -5425,8 +5362,8 @@
         </p:blipFill>
         <p:spPr>
           <a:xfrm>
-            <a:off x="251520" y="836712"/>
-            <a:ext cx="8740527" cy="5257973"/>
+            <a:off x="657225" y="620688"/>
+            <a:ext cx="7829550" cy="5895975"/>
           </a:xfrm>
           <a:prstGeom prst="rect">
             <a:avLst/>
@@ -5491,14 +5428,7 @@
                 <a:latin typeface="Times New Roman" panose="02020603050405020304" pitchFamily="18" charset="0"/>
                 <a:cs typeface="Times New Roman" panose="02020603050405020304" pitchFamily="18" charset="0"/>
               </a:rPr>
-              <a:t>«</a:t>
-            </a:r>
-            <a:r>
-              <a:rPr lang="ru-RU" b="1" dirty="0" smtClean="0">
-                <a:latin typeface="Times New Roman" panose="02020603050405020304" pitchFamily="18" charset="0"/>
-                <a:cs typeface="Times New Roman" panose="02020603050405020304" pitchFamily="18" charset="0"/>
-              </a:rPr>
-              <a:t>Пользователи»</a:t>
+              <a:t>«Пользователи»</a:t>
             </a:r>
             <a:endParaRPr lang="ru-RU" b="1" dirty="0">
               <a:latin typeface="Times New Roman" panose="02020603050405020304" pitchFamily="18" charset="0"/>
@@ -5624,14 +5554,7 @@
                 <a:latin typeface="Times New Roman" panose="02020603050405020304" pitchFamily="18" charset="0"/>
                 <a:cs typeface="Times New Roman" panose="02020603050405020304" pitchFamily="18" charset="0"/>
               </a:rPr>
-              <a:t>Прогресс </a:t>
-            </a:r>
-            <a:r>
-              <a:rPr lang="ru-RU" b="1" dirty="0" smtClean="0">
-                <a:latin typeface="Times New Roman" panose="02020603050405020304" pitchFamily="18" charset="0"/>
-                <a:cs typeface="Times New Roman" panose="02020603050405020304" pitchFamily="18" charset="0"/>
-              </a:rPr>
-              <a:t>изучения курса</a:t>
+              <a:t>Прогресс изучения курса</a:t>
             </a:r>
             <a:endParaRPr lang="ru-RU" b="1" dirty="0">
               <a:latin typeface="Times New Roman" panose="02020603050405020304" pitchFamily="18" charset="0"/>
@@ -5677,7 +5600,7 @@
       </p:cxnSp>
       <p:pic>
         <p:nvPicPr>
-          <p:cNvPr id="3" name="Рисунок 2"/>
+          <p:cNvPr id="2" name="Рисунок 1"/>
           <p:cNvPicPr>
             <a:picLocks noChangeAspect="1"/>
           </p:cNvPicPr>
@@ -5691,8 +5614,8 @@
         </p:blipFill>
         <p:spPr>
           <a:xfrm>
-            <a:off x="395536" y="522735"/>
-            <a:ext cx="8424900" cy="5790034"/>
+            <a:off x="416992" y="513557"/>
+            <a:ext cx="8331472" cy="5939267"/>
           </a:xfrm>
           <a:prstGeom prst="rect">
             <a:avLst/>
@@ -5967,28 +5890,7 @@
                 <a:latin typeface="Times New Roman" panose="02020603050405020304" pitchFamily="18" charset="0"/>
                 <a:cs typeface="Times New Roman" panose="02020603050405020304" pitchFamily="18" charset="0"/>
               </a:rPr>
-              <a:t>Задани</a:t>
-            </a:r>
-            <a:r>
-              <a:rPr lang="ru-RU" b="1" dirty="0" smtClean="0">
-                <a:latin typeface="Times New Roman" panose="02020603050405020304" pitchFamily="18" charset="0"/>
-                <a:cs typeface="Times New Roman" panose="02020603050405020304" pitchFamily="18" charset="0"/>
-              </a:rPr>
-              <a:t>я</a:t>
-            </a:r>
-            <a:r>
-              <a:rPr lang="ru-RU" b="1" dirty="0" smtClean="0">
-                <a:latin typeface="Times New Roman" panose="02020603050405020304" pitchFamily="18" charset="0"/>
-                <a:cs typeface="Times New Roman" panose="02020603050405020304" pitchFamily="18" charset="0"/>
-              </a:rPr>
-              <a:t> </a:t>
-            </a:r>
-            <a:r>
-              <a:rPr lang="ru-RU" b="1" dirty="0" smtClean="0">
-                <a:latin typeface="Times New Roman" panose="02020603050405020304" pitchFamily="18" charset="0"/>
-                <a:cs typeface="Times New Roman" panose="02020603050405020304" pitchFamily="18" charset="0"/>
-              </a:rPr>
-              <a:t>курса</a:t>
+              <a:t>Задания курса</a:t>
             </a:r>
             <a:endParaRPr lang="ru-RU" b="1" dirty="0">
               <a:latin typeface="Times New Roman" panose="02020603050405020304" pitchFamily="18" charset="0"/>
@@ -6160,7 +6062,7 @@
       </p:cxnSp>
       <p:pic>
         <p:nvPicPr>
-          <p:cNvPr id="2" name="Рисунок 1"/>
+          <p:cNvPr id="3" name="Рисунок 2"/>
           <p:cNvPicPr>
             <a:picLocks noChangeAspect="1"/>
           </p:cNvPicPr>
@@ -6174,8 +6076,8 @@
         </p:blipFill>
         <p:spPr>
           <a:xfrm>
-            <a:off x="395536" y="512441"/>
-            <a:ext cx="8390415" cy="5780509"/>
+            <a:off x="392088" y="692696"/>
+            <a:ext cx="8212360" cy="5773642"/>
           </a:xfrm>
           <a:prstGeom prst="rect">
             <a:avLst/>
@@ -6240,14 +6142,7 @@
                 <a:latin typeface="Times New Roman" panose="02020603050405020304" pitchFamily="18" charset="0"/>
                 <a:cs typeface="Times New Roman" panose="02020603050405020304" pitchFamily="18" charset="0"/>
               </a:rPr>
-              <a:t>Просмотр </a:t>
-            </a:r>
-            <a:r>
-              <a:rPr lang="ru-RU" b="1" dirty="0" smtClean="0">
-                <a:latin typeface="Times New Roman" panose="02020603050405020304" pitchFamily="18" charset="0"/>
-                <a:cs typeface="Times New Roman" panose="02020603050405020304" pitchFamily="18" charset="0"/>
-              </a:rPr>
-              <a:t>выполненного теста</a:t>
+              <a:t>Просмотр выполненного теста</a:t>
             </a:r>
             <a:endParaRPr lang="ru-RU" b="1" dirty="0">
               <a:latin typeface="Times New Roman" panose="02020603050405020304" pitchFamily="18" charset="0"/>
@@ -6293,7 +6188,7 @@
       </p:cxnSp>
       <p:pic>
         <p:nvPicPr>
-          <p:cNvPr id="2" name="Рисунок 1"/>
+          <p:cNvPr id="3" name="Рисунок 2"/>
           <p:cNvPicPr>
             <a:picLocks noChangeAspect="1"/>
           </p:cNvPicPr>
@@ -6307,8 +6202,8 @@
         </p:blipFill>
         <p:spPr>
           <a:xfrm>
-            <a:off x="275481" y="527902"/>
-            <a:ext cx="8593037" cy="5967387"/>
+            <a:off x="589756" y="692696"/>
+            <a:ext cx="7964488" cy="5616624"/>
           </a:xfrm>
           <a:prstGeom prst="rect">
             <a:avLst/>
@@ -6379,30 +6274,6 @@
           </a:p>
         </p:txBody>
       </p:sp>
-      <p:pic>
-        <p:nvPicPr>
-          <p:cNvPr id="3" name="Рисунок 2"/>
-          <p:cNvPicPr>
-            <a:picLocks noChangeAspect="1"/>
-          </p:cNvPicPr>
-          <p:nvPr/>
-        </p:nvPicPr>
-        <p:blipFill>
-          <a:blip r:embed="rId2"/>
-          <a:stretch>
-            <a:fillRect/>
-          </a:stretch>
-        </p:blipFill>
-        <p:spPr>
-          <a:xfrm>
-            <a:off x="395536" y="656926"/>
-            <a:ext cx="8280333" cy="4645385"/>
-          </a:xfrm>
-          <a:prstGeom prst="rect">
-            <a:avLst/>
-          </a:prstGeom>
-        </p:spPr>
-      </p:pic>
       <p:sp>
         <p:nvSpPr>
           <p:cNvPr id="10" name="TextBox 9"/>
@@ -6475,6 +6346,30 @@
           </a:fontRef>
         </p:style>
       </p:cxnSp>
+      <p:pic>
+        <p:nvPicPr>
+          <p:cNvPr id="4" name="Рисунок 3"/>
+          <p:cNvPicPr>
+            <a:picLocks noChangeAspect="1"/>
+          </p:cNvPicPr>
+          <p:nvPr/>
+        </p:nvPicPr>
+        <p:blipFill>
+          <a:blip r:embed="rId2"/>
+          <a:stretch>
+            <a:fillRect/>
+          </a:stretch>
+        </p:blipFill>
+        <p:spPr>
+          <a:xfrm>
+            <a:off x="251520" y="704527"/>
+            <a:ext cx="8704003" cy="5281389"/>
+          </a:xfrm>
+          <a:prstGeom prst="rect">
+            <a:avLst/>
+          </a:prstGeom>
+        </p:spPr>
+      </p:pic>
     </p:spTree>
     <p:extLst>
       <p:ext uri="{BB962C8B-B14F-4D97-AF65-F5344CB8AC3E}">
@@ -6537,14 +6432,42 @@
                 <a:latin typeface="Times New Roman" panose="02020603050405020304" pitchFamily="18" charset="0"/>
                 <a:cs typeface="Times New Roman" panose="02020603050405020304" pitchFamily="18" charset="0"/>
               </a:rPr>
-              <a:t>	В результате работы над выпускной квалификационной работой был разработан и спроектирован «Электронный курс дискретная математика», который </a:t>
+              <a:t>	</a:t>
             </a:r>
             <a:r>
               <a:rPr lang="ru-RU" dirty="0">
                 <a:latin typeface="Times New Roman" panose="02020603050405020304" pitchFamily="18" charset="0"/>
                 <a:cs typeface="Times New Roman" panose="02020603050405020304" pitchFamily="18" charset="0"/>
               </a:rPr>
-              <a:t>позволяет повысить не только интерес к будущей специальности, но и успеваемость по данной </a:t>
+              <a:t>В ходе выполнения выпускной квалификационной работы был спроектирован и разработан «</a:t>
+            </a:r>
+            <a:r>
+              <a:rPr lang="ru-RU" dirty="0" smtClean="0">
+                <a:latin typeface="Times New Roman" panose="02020603050405020304" pitchFamily="18" charset="0"/>
+                <a:cs typeface="Times New Roman" panose="02020603050405020304" pitchFamily="18" charset="0"/>
+              </a:rPr>
+              <a:t>Электронный курс дискретная математика», который </a:t>
+            </a:r>
+            <a:r>
+              <a:rPr lang="ru-RU" dirty="0">
+                <a:latin typeface="Times New Roman" panose="02020603050405020304" pitchFamily="18" charset="0"/>
+                <a:cs typeface="Times New Roman" panose="02020603050405020304" pitchFamily="18" charset="0"/>
+              </a:rPr>
+              <a:t>позволяет повысить </a:t>
+            </a:r>
+            <a:r>
+              <a:rPr lang="ru-RU" dirty="0" smtClean="0">
+                <a:latin typeface="Times New Roman" panose="02020603050405020304" pitchFamily="18" charset="0"/>
+                <a:cs typeface="Times New Roman" panose="02020603050405020304" pitchFamily="18" charset="0"/>
+              </a:rPr>
+              <a:t>успеваемость </a:t>
+            </a:r>
+            <a:r>
+              <a:rPr lang="ru-RU" dirty="0">
+                <a:latin typeface="Times New Roman" panose="02020603050405020304" pitchFamily="18" charset="0"/>
+                <a:cs typeface="Times New Roman" panose="02020603050405020304" pitchFamily="18" charset="0"/>
+              </a:rPr>
+              <a:t>по данной </a:t>
             </a:r>
             <a:r>
               <a:rPr lang="ru-RU" dirty="0" smtClean="0">
@@ -6730,22 +6653,12 @@
                 <a:latin typeface="Times New Roman" panose="02020603050405020304" pitchFamily="18" charset="0"/>
                 <a:cs typeface="Times New Roman" panose="02020603050405020304" pitchFamily="18" charset="0"/>
               </a:rPr>
-              <a:t>р</a:t>
-            </a:r>
-            <a:r>
-              <a:rPr lang="ru-RU" dirty="0" smtClean="0">
-                <a:latin typeface="Times New Roman" panose="02020603050405020304" pitchFamily="18" charset="0"/>
-                <a:cs typeface="Times New Roman" panose="02020603050405020304" pitchFamily="18" charset="0"/>
-              </a:rPr>
-              <a:t>асширение </a:t>
-            </a:r>
-            <a:r>
-              <a:rPr lang="ru-RU" dirty="0">
-                <a:latin typeface="Times New Roman" panose="02020603050405020304" pitchFamily="18" charset="0"/>
-                <a:cs typeface="Times New Roman" panose="02020603050405020304" pitchFamily="18" charset="0"/>
-              </a:rPr>
-              <a:t>возможностей загрузки данных для преподавателя.</a:t>
-            </a:r>
+              <a:t>возможность загрузки данных различных форматов.</a:t>
+            </a:r>
+            <a:endParaRPr lang="ru-RU" dirty="0">
+              <a:latin typeface="Times New Roman" panose="02020603050405020304" pitchFamily="18" charset="0"/>
+              <a:cs typeface="Times New Roman" panose="02020603050405020304" pitchFamily="18" charset="0"/>
+            </a:endParaRPr>
           </a:p>
         </p:txBody>
       </p:sp>
@@ -7563,7 +7476,7 @@
         </p:blipFill>
         <p:spPr>
           <a:xfrm>
-            <a:off x="3851920" y="2751801"/>
+            <a:off x="3635896" y="1318774"/>
             <a:ext cx="1296144" cy="1296144"/>
           </a:xfrm>
           <a:prstGeom prst="rect">
@@ -7592,7 +7505,7 @@
         </p:blipFill>
         <p:spPr>
           <a:xfrm>
-            <a:off x="3851920" y="1190477"/>
+            <a:off x="971600" y="1484783"/>
             <a:ext cx="981039" cy="964125"/>
           </a:xfrm>
           <a:prstGeom prst="rect">
@@ -7622,7 +7535,7 @@
         </p:blipFill>
         <p:spPr>
           <a:xfrm>
-            <a:off x="3318949" y="4725144"/>
+            <a:off x="6084168" y="1654240"/>
             <a:ext cx="2510565" cy="625210"/>
           </a:xfrm>
           <a:prstGeom prst="rect">
@@ -7999,7 +7912,7 @@
       </p:cxnSp>
       <p:pic>
         <p:nvPicPr>
-          <p:cNvPr id="7" name="Рисунок 6"/>
+          <p:cNvPr id="3" name="Рисунок 2"/>
           <p:cNvPicPr>
             <a:picLocks noChangeAspect="1"/>
           </p:cNvPicPr>
@@ -8013,8 +7926,8 @@
         </p:blipFill>
         <p:spPr>
           <a:xfrm>
-            <a:off x="22416" y="836712"/>
-            <a:ext cx="9121584" cy="5184576"/>
+            <a:off x="179512" y="1340768"/>
+            <a:ext cx="8849618" cy="5040560"/>
           </a:xfrm>
           <a:prstGeom prst="rect">
             <a:avLst/>
@@ -8163,7 +8076,7 @@
       </p:cxnSp>
       <p:pic>
         <p:nvPicPr>
-          <p:cNvPr id="3" name="Рисунок 2"/>
+          <p:cNvPr id="6" name="Рисунок 5"/>
           <p:cNvPicPr>
             <a:picLocks noChangeAspect="1"/>
           </p:cNvPicPr>
@@ -8177,8 +8090,8 @@
         </p:blipFill>
         <p:spPr>
           <a:xfrm>
-            <a:off x="35496" y="620688"/>
-            <a:ext cx="9044039" cy="5832648"/>
+            <a:off x="7498" y="836712"/>
+            <a:ext cx="9136502" cy="5904656"/>
           </a:xfrm>
           <a:prstGeom prst="rect">
             <a:avLst/>
@@ -8230,8 +8143,8 @@
         </p:nvSpPr>
         <p:spPr>
           <a:xfrm>
-            <a:off x="2392281" y="116632"/>
-            <a:ext cx="4236994" cy="369332"/>
+            <a:off x="2920247" y="116632"/>
+            <a:ext cx="3181063" cy="369332"/>
           </a:xfrm>
           <a:prstGeom prst="rect">
             <a:avLst/>
@@ -8250,7 +8163,35 @@
                 <a:latin typeface="Times New Roman" panose="02020603050405020304" pitchFamily="18" charset="0"/>
                 <a:cs typeface="Times New Roman" panose="02020603050405020304" pitchFamily="18" charset="0"/>
               </a:rPr>
-              <a:t>Формы входа в систему и регистрации</a:t>
+              <a:t>В</a:t>
+            </a:r>
+            <a:r>
+              <a:rPr lang="ru-RU" b="1" dirty="0" smtClean="0">
+                <a:latin typeface="Times New Roman" panose="02020603050405020304" pitchFamily="18" charset="0"/>
+                <a:cs typeface="Times New Roman" panose="02020603050405020304" pitchFamily="18" charset="0"/>
+              </a:rPr>
+              <a:t>ход </a:t>
+            </a:r>
+            <a:r>
+              <a:rPr lang="ru-RU" b="1" dirty="0" smtClean="0">
+                <a:latin typeface="Times New Roman" panose="02020603050405020304" pitchFamily="18" charset="0"/>
+                <a:cs typeface="Times New Roman" panose="02020603050405020304" pitchFamily="18" charset="0"/>
+              </a:rPr>
+              <a:t>в систему </a:t>
+            </a:r>
+            <a:r>
+              <a:rPr lang="ru-RU" b="1" smtClean="0">
+                <a:latin typeface="Times New Roman" panose="02020603050405020304" pitchFamily="18" charset="0"/>
+                <a:cs typeface="Times New Roman" panose="02020603050405020304" pitchFamily="18" charset="0"/>
+              </a:rPr>
+              <a:t>и </a:t>
+            </a:r>
+            <a:r>
+              <a:rPr lang="ru-RU" b="1" smtClean="0">
+                <a:latin typeface="Times New Roman" panose="02020603050405020304" pitchFamily="18" charset="0"/>
+                <a:cs typeface="Times New Roman" panose="02020603050405020304" pitchFamily="18" charset="0"/>
+              </a:rPr>
+              <a:t>регистраци</a:t>
             </a:r>
             <a:endParaRPr lang="ru-RU" b="1" dirty="0">
               <a:latin typeface="Times New Roman" panose="02020603050405020304" pitchFamily="18" charset="0"/>
@@ -8400,21 +8341,7 @@
                 <a:latin typeface="Times New Roman" panose="02020603050405020304" pitchFamily="18" charset="0"/>
                 <a:cs typeface="Times New Roman" panose="02020603050405020304" pitchFamily="18" charset="0"/>
               </a:rPr>
-              <a:t>П</a:t>
-            </a:r>
-            <a:r>
-              <a:rPr lang="ru-RU" b="1" dirty="0" smtClean="0">
-                <a:latin typeface="Times New Roman" panose="02020603050405020304" pitchFamily="18" charset="0"/>
-                <a:cs typeface="Times New Roman" panose="02020603050405020304" pitchFamily="18" charset="0"/>
-              </a:rPr>
-              <a:t>ользователь </a:t>
-            </a:r>
-            <a:r>
-              <a:rPr lang="ru-RU" b="1" dirty="0" smtClean="0">
-                <a:latin typeface="Times New Roman" panose="02020603050405020304" pitchFamily="18" charset="0"/>
-                <a:cs typeface="Times New Roman" panose="02020603050405020304" pitchFamily="18" charset="0"/>
-              </a:rPr>
-              <a:t>«Студент» </a:t>
+              <a:t>Пользователь «Студент» </a:t>
             </a:r>
             <a:endParaRPr lang="ru-RU" b="1" dirty="0">
               <a:latin typeface="Times New Roman" panose="02020603050405020304" pitchFamily="18" charset="0"/>
